--- a/SocialNetworksPresentation-Draft.pptx
+++ b/SocialNetworksPresentation-Draft.pptx
@@ -1762,7 +1762,7 @@
         <p:spPr>
           <a:xfrm>
             <a:off x="839787" y="2057400"/>
-            <a:ext cx="3932239" cy="3811588"/>
+            <a:ext cx="3932238" cy="3811588"/>
           </a:xfrm>
           <a:prstGeom prst="rect">
             <a:avLst/>
@@ -3004,7 +3004,7 @@
         <p:spPr>
           <a:xfrm>
             <a:off x="1524000" y="2524419"/>
-            <a:ext cx="9144001" cy="1809162"/>
+            <a:ext cx="9144000" cy="1809162"/>
           </a:xfrm>
           <a:prstGeom prst="rect">
             <a:avLst/>
@@ -3060,10 +3060,6 @@
           </p:nvPr>
         </p:nvSpPr>
         <p:spPr>
-          <a:xfrm>
-            <a:off x="838200" y="365125"/>
-            <a:ext cx="10515600" cy="1325563"/>
-          </a:xfrm>
           <a:prstGeom prst="rect">
             <a:avLst/>
           </a:prstGeom>
@@ -3096,8 +3092,8 @@
         </p:nvSpPr>
         <p:spPr>
           <a:xfrm>
-            <a:off x="838199" y="1848885"/>
-            <a:ext cx="10515601" cy="4581843"/>
+            <a:off x="838200" y="1848885"/>
+            <a:ext cx="10515600" cy="4581843"/>
           </a:xfrm>
           <a:prstGeom prst="rect">
             <a:avLst/>
@@ -3107,14 +3103,14 @@
           <a:bodyPr/>
           <a:lstStyle/>
           <a:p>
-            <a:pPr marL="160019" indent="-160019" defTabSz="640079">
+            <a:pPr marL="155447" indent="-155447" defTabSz="621791">
               <a:lnSpc>
                 <a:spcPct val="120000"/>
               </a:lnSpc>
               <a:spcBef>
-                <a:spcPts val="700"/>
+                <a:spcPts val="600"/>
               </a:spcBef>
-              <a:defRPr b="1" sz="1750">
+              <a:defRPr b="1" sz="1700">
                 <a:latin typeface="+mn-lt"/>
                 <a:ea typeface="+mn-ea"/>
                 <a:cs typeface="+mn-cs"/>
@@ -3126,14 +3122,14 @@
             </a:r>
           </a:p>
           <a:p>
-            <a:pPr lvl="1" marL="480059" indent="-160019" defTabSz="640079">
+            <a:pPr lvl="1" marL="466344" indent="-155447" defTabSz="621791">
               <a:lnSpc>
                 <a:spcPct val="120000"/>
               </a:lnSpc>
               <a:spcBef>
                 <a:spcPts val="300"/>
               </a:spcBef>
-              <a:defRPr sz="1540">
+              <a:defRPr sz="1496">
                 <a:latin typeface="+mn-lt"/>
                 <a:ea typeface="+mn-ea"/>
                 <a:cs typeface="+mn-cs"/>
@@ -3145,14 +3141,33 @@
             </a:r>
           </a:p>
           <a:p>
-            <a:pPr lvl="1" marL="480059" indent="-160019" defTabSz="640079">
+            <a:pPr lvl="1" marL="466344" indent="-155447" defTabSz="621791">
               <a:lnSpc>
                 <a:spcPct val="120000"/>
               </a:lnSpc>
               <a:spcBef>
                 <a:spcPts val="300"/>
               </a:spcBef>
-              <a:defRPr sz="1540">
+              <a:defRPr sz="1496">
+                <a:latin typeface="+mn-lt"/>
+                <a:ea typeface="+mn-ea"/>
+                <a:cs typeface="+mn-cs"/>
+                <a:sym typeface="Helvetica"/>
+              </a:defRPr>
+            </a:pPr>
+            <a:r>
+              <a:t>Leverage: Futures are leveraged products</a:t>
+            </a:r>
+          </a:p>
+          <a:p>
+            <a:pPr lvl="1" marL="466344" indent="-155447" defTabSz="621791">
+              <a:lnSpc>
+                <a:spcPct val="120000"/>
+              </a:lnSpc>
+              <a:spcBef>
+                <a:spcPts val="300"/>
+              </a:spcBef>
+              <a:defRPr sz="1496">
                 <a:latin typeface="+mn-lt"/>
                 <a:ea typeface="+mn-ea"/>
                 <a:cs typeface="+mn-cs"/>
@@ -3164,14 +3179,14 @@
             </a:r>
           </a:p>
           <a:p>
-            <a:pPr lvl="2" marL="800100" indent="-160019" defTabSz="640079">
+            <a:pPr lvl="2" marL="777240" indent="-155447" defTabSz="621791">
               <a:lnSpc>
                 <a:spcPct val="120000"/>
               </a:lnSpc>
               <a:spcBef>
                 <a:spcPts val="300"/>
               </a:spcBef>
-              <a:defRPr sz="1260">
+              <a:defRPr sz="1224">
                 <a:latin typeface="+mn-lt"/>
                 <a:ea typeface="+mn-ea"/>
                 <a:cs typeface="+mn-cs"/>
@@ -3183,14 +3198,14 @@
             </a:r>
           </a:p>
           <a:p>
-            <a:pPr lvl="1" marL="480059" indent="-160019" defTabSz="640079">
+            <a:pPr lvl="1" marL="466344" indent="-155447" defTabSz="621791">
               <a:lnSpc>
                 <a:spcPct val="120000"/>
               </a:lnSpc>
               <a:spcBef>
                 <a:spcPts val="300"/>
               </a:spcBef>
-              <a:defRPr sz="1540">
+              <a:defRPr sz="1496">
                 <a:latin typeface="+mn-lt"/>
                 <a:ea typeface="+mn-ea"/>
                 <a:cs typeface="+mn-cs"/>
@@ -3202,14 +3217,14 @@
             </a:r>
           </a:p>
           <a:p>
-            <a:pPr lvl="2" marL="800100" indent="-160019" defTabSz="640079">
+            <a:pPr lvl="2" marL="777240" indent="-155447" defTabSz="621791">
               <a:lnSpc>
                 <a:spcPct val="120000"/>
               </a:lnSpc>
               <a:spcBef>
                 <a:spcPts val="300"/>
               </a:spcBef>
-              <a:defRPr sz="1260">
+              <a:defRPr sz="1224">
                 <a:latin typeface="+mn-lt"/>
                 <a:ea typeface="+mn-ea"/>
                 <a:cs typeface="+mn-cs"/>
@@ -3221,14 +3236,14 @@
             </a:r>
           </a:p>
           <a:p>
-            <a:pPr lvl="2" marL="800100" indent="-160019" defTabSz="640079">
+            <a:pPr lvl="2" marL="777240" indent="-155447" defTabSz="621791">
               <a:lnSpc>
                 <a:spcPct val="120000"/>
               </a:lnSpc>
               <a:spcBef>
                 <a:spcPts val="300"/>
               </a:spcBef>
-              <a:defRPr sz="1260">
+              <a:defRPr sz="1224">
                 <a:latin typeface="+mn-lt"/>
                 <a:ea typeface="+mn-ea"/>
                 <a:cs typeface="+mn-cs"/>
@@ -3240,14 +3255,14 @@
             </a:r>
           </a:p>
           <a:p>
-            <a:pPr lvl="2" marL="800100" indent="-160019" defTabSz="640079">
+            <a:pPr lvl="2" marL="777240" indent="-155447" defTabSz="621791">
               <a:lnSpc>
                 <a:spcPct val="120000"/>
               </a:lnSpc>
               <a:spcBef>
                 <a:spcPts val="300"/>
               </a:spcBef>
-              <a:defRPr sz="1260">
+              <a:defRPr sz="1224">
                 <a:latin typeface="+mn-lt"/>
                 <a:ea typeface="+mn-ea"/>
                 <a:cs typeface="+mn-cs"/>
@@ -3259,14 +3274,14 @@
             </a:r>
           </a:p>
           <a:p>
-            <a:pPr lvl="1" marL="480059" indent="-160019" defTabSz="640079">
+            <a:pPr lvl="1" marL="466344" indent="-155447" defTabSz="621791">
               <a:lnSpc>
                 <a:spcPct val="120000"/>
               </a:lnSpc>
               <a:spcBef>
                 <a:spcPts val="300"/>
               </a:spcBef>
-              <a:defRPr sz="1540">
+              <a:defRPr sz="1496">
                 <a:latin typeface="+mn-lt"/>
                 <a:ea typeface="+mn-ea"/>
                 <a:cs typeface="+mn-cs"/>
@@ -3278,14 +3293,14 @@
             </a:r>
           </a:p>
           <a:p>
-            <a:pPr lvl="2" marL="800100" indent="-160019" defTabSz="640079">
+            <a:pPr lvl="2" marL="777240" indent="-155447" defTabSz="621791">
               <a:lnSpc>
                 <a:spcPct val="120000"/>
               </a:lnSpc>
               <a:spcBef>
                 <a:spcPts val="300"/>
               </a:spcBef>
-              <a:defRPr sz="1260">
+              <a:defRPr sz="1224">
                 <a:latin typeface="+mn-lt"/>
                 <a:ea typeface="+mn-ea"/>
                 <a:cs typeface="+mn-cs"/>
@@ -3297,14 +3312,14 @@
             </a:r>
           </a:p>
           <a:p>
-            <a:pPr lvl="2" marL="800100" indent="-160019" defTabSz="640079">
+            <a:pPr lvl="2" marL="777240" indent="-155447" defTabSz="621791">
               <a:lnSpc>
                 <a:spcPct val="120000"/>
               </a:lnSpc>
               <a:spcBef>
                 <a:spcPts val="300"/>
               </a:spcBef>
-              <a:defRPr sz="1260">
+              <a:defRPr sz="1224">
                 <a:latin typeface="+mn-lt"/>
                 <a:ea typeface="+mn-ea"/>
                 <a:cs typeface="+mn-cs"/>
@@ -3316,14 +3331,14 @@
             </a:r>
           </a:p>
           <a:p>
-            <a:pPr lvl="2" marL="800100" indent="-160019" defTabSz="640079">
+            <a:pPr lvl="2" marL="777240" indent="-155447" defTabSz="621791">
               <a:lnSpc>
                 <a:spcPct val="120000"/>
               </a:lnSpc>
               <a:spcBef>
                 <a:spcPts val="300"/>
               </a:spcBef>
-              <a:defRPr sz="1260">
+              <a:defRPr sz="1224">
                 <a:latin typeface="+mn-lt"/>
                 <a:ea typeface="+mn-ea"/>
                 <a:cs typeface="+mn-cs"/>
@@ -3335,14 +3350,14 @@
             </a:r>
           </a:p>
           <a:p>
-            <a:pPr lvl="2" marL="800100" indent="-160019" defTabSz="640079">
+            <a:pPr lvl="2" marL="777240" indent="-155447" defTabSz="621791">
               <a:lnSpc>
                 <a:spcPct val="120000"/>
               </a:lnSpc>
               <a:spcBef>
                 <a:spcPts val="300"/>
               </a:spcBef>
-              <a:defRPr sz="1260">
+              <a:defRPr sz="1224">
                 <a:latin typeface="+mn-lt"/>
                 <a:ea typeface="+mn-ea"/>
                 <a:cs typeface="+mn-cs"/>
@@ -3354,14 +3369,14 @@
             </a:r>
           </a:p>
           <a:p>
-            <a:pPr lvl="2" marL="800100" indent="-160019" defTabSz="640079">
+            <a:pPr lvl="2" marL="777240" indent="-155447" defTabSz="621791">
               <a:lnSpc>
                 <a:spcPct val="120000"/>
               </a:lnSpc>
               <a:spcBef>
                 <a:spcPts val="300"/>
               </a:spcBef>
-              <a:defRPr sz="1260">
+              <a:defRPr sz="1224">
                 <a:latin typeface="+mn-lt"/>
                 <a:ea typeface="+mn-ea"/>
                 <a:cs typeface="+mn-cs"/>
@@ -3373,14 +3388,14 @@
             </a:r>
           </a:p>
           <a:p>
-            <a:pPr lvl="2" marL="800100" indent="-160019" defTabSz="640079">
+            <a:pPr lvl="2" marL="777240" indent="-155447" defTabSz="621791">
               <a:lnSpc>
                 <a:spcPct val="120000"/>
               </a:lnSpc>
               <a:spcBef>
                 <a:spcPts val="300"/>
               </a:spcBef>
-              <a:defRPr sz="1260">
+              <a:defRPr sz="1224">
                 <a:latin typeface="+mn-lt"/>
                 <a:ea typeface="+mn-ea"/>
                 <a:cs typeface="+mn-cs"/>
@@ -3455,8 +3470,8 @@
         </p:nvSpPr>
         <p:spPr>
           <a:xfrm>
-            <a:off x="838199" y="2615116"/>
-            <a:ext cx="10515601" cy="2024014"/>
+            <a:off x="838200" y="2615116"/>
+            <a:ext cx="10515600" cy="2024014"/>
           </a:xfrm>
           <a:prstGeom prst="rect">
             <a:avLst/>
@@ -3735,7 +3750,7 @@
         <p:spPr>
           <a:xfrm>
             <a:off x="838200" y="2496692"/>
-            <a:ext cx="10515601" cy="2024014"/>
+            <a:ext cx="10515600" cy="2024014"/>
           </a:xfrm>
           <a:prstGeom prst="rect">
             <a:avLst/>
@@ -3791,7 +3806,7 @@
         <p:spPr>
           <a:xfrm>
             <a:off x="11366154" y="5851026"/>
-            <a:ext cx="437143" cy="828041"/>
+            <a:ext cx="437144" cy="828041"/>
           </a:xfrm>
           <a:prstGeom prst="rect">
             <a:avLst/>
@@ -3895,8 +3910,8 @@
         </p:blipFill>
         <p:spPr>
           <a:xfrm>
-            <a:off x="6285178" y="2542705"/>
-            <a:ext cx="5542585" cy="3306265"/>
+            <a:off x="6285177" y="2542705"/>
+            <a:ext cx="5542586" cy="3306265"/>
           </a:xfrm>
           <a:prstGeom prst="rect">
             <a:avLst/>
@@ -10957,8 +10972,8 @@
         </p:nvSpPr>
         <p:spPr>
           <a:xfrm>
-            <a:off x="838199" y="2092215"/>
-            <a:ext cx="10515601" cy="3850644"/>
+            <a:off x="838200" y="2092215"/>
+            <a:ext cx="10515600" cy="3850644"/>
           </a:xfrm>
           <a:prstGeom prst="rect">
             <a:avLst/>
@@ -11112,68 +11127,9 @@
           </a:p>
         </p:txBody>
       </p:sp>
-      <p:pic>
-        <p:nvPicPr>
-          <p:cNvPr id="176" name="equation.pdf" descr="equation.pdf"/>
-          <p:cNvPicPr>
-            <a:picLocks noChangeAspect="1"/>
-          </p:cNvPicPr>
-          <p:nvPr/>
-        </p:nvPicPr>
-        <p:blipFill>
-          <a:blip r:embed="rId2">
-            <a:extLst/>
-          </a:blip>
-          <a:stretch>
-            <a:fillRect/>
-          </a:stretch>
-        </p:blipFill>
-        <p:spPr>
-          <a:xfrm>
-            <a:off x="3930442" y="2877599"/>
-            <a:ext cx="3944037" cy="519698"/>
-          </a:xfrm>
-          <a:prstGeom prst="rect">
-            <a:avLst/>
-          </a:prstGeom>
-          <a:ln w="12700">
-            <a:miter lim="400000"/>
-          </a:ln>
-        </p:spPr>
-      </p:pic>
-      <p:pic>
-        <p:nvPicPr>
-          <p:cNvPr id="177" name="1__#$!@%!#__equation.pdf" descr="1__#$!@%!#__equation.pdf"/>
-          <p:cNvPicPr>
-            <a:picLocks noChangeAspect="0"/>
-          </p:cNvPicPr>
-          <p:nvPr/>
-        </p:nvPicPr>
-        <p:blipFill>
-          <a:blip r:embed="rId3">
-            <a:extLst/>
-          </a:blip>
-          <a:srcRect l="0" t="0" r="0" b="0"/>
-          <a:stretch>
-            <a:fillRect/>
-          </a:stretch>
-        </p:blipFill>
-        <p:spPr>
-          <a:xfrm>
-            <a:off x="3835819" y="4861236"/>
-            <a:ext cx="4263710" cy="654786"/>
-          </a:xfrm>
-          <a:prstGeom prst="rect">
-            <a:avLst/>
-          </a:prstGeom>
-          <a:ln w="12700">
-            <a:miter lim="400000"/>
-          </a:ln>
-        </p:spPr>
-      </p:pic>
       <p:sp>
         <p:nvSpPr>
-          <p:cNvPr id="178" name="Model 1:  linear regression of post-event return on pre-event return"/>
+          <p:cNvPr id="176" name="Model 1:  linear regression of post-event return on pre-event return"/>
           <p:cNvSpPr txBox="1"/>
           <p:nvPr/>
         </p:nvSpPr>
@@ -11228,7 +11184,7 @@
       </p:sp>
       <p:sp>
         <p:nvSpPr>
-          <p:cNvPr id="179" name="Model 2: support vector machine logistic regression of post-event direction using pre-event return"/>
+          <p:cNvPr id="177" name="Model 2: support vector machine logistic regression of post-event direction using pre-event return"/>
           <p:cNvSpPr txBox="1"/>
           <p:nvPr/>
         </p:nvSpPr>
@@ -11283,7 +11239,7 @@
       </p:sp>
       <p:sp>
         <p:nvSpPr>
-          <p:cNvPr id="180" name="Models used for Analysis"/>
+          <p:cNvPr id="178" name="Models used for Analysis"/>
           <p:cNvSpPr txBox="1"/>
           <p:nvPr>
             <p:ph type="title" idx="4294967295"/>
@@ -11311,6 +11267,64 @@
           </a:p>
         </p:txBody>
       </p:sp>
+      <p:pic>
+        <p:nvPicPr>
+          <p:cNvPr id="179" name="Image" descr="Image"/>
+          <p:cNvPicPr>
+            <a:picLocks noChangeAspect="1"/>
+          </p:cNvPicPr>
+          <p:nvPr/>
+        </p:nvPicPr>
+        <p:blipFill>
+          <a:blip r:embed="rId2">
+            <a:extLst/>
+          </a:blip>
+          <a:stretch>
+            <a:fillRect/>
+          </a:stretch>
+        </p:blipFill>
+        <p:spPr>
+          <a:xfrm>
+            <a:off x="2856453" y="2655809"/>
+            <a:ext cx="5785516" cy="1111995"/>
+          </a:xfrm>
+          <a:prstGeom prst="rect">
+            <a:avLst/>
+          </a:prstGeom>
+          <a:ln w="12700">
+            <a:miter lim="400000"/>
+          </a:ln>
+        </p:spPr>
+      </p:pic>
+      <p:pic>
+        <p:nvPicPr>
+          <p:cNvPr id="180" name="Image" descr="Image"/>
+          <p:cNvPicPr>
+            <a:picLocks noChangeAspect="1"/>
+          </p:cNvPicPr>
+          <p:nvPr/>
+        </p:nvPicPr>
+        <p:blipFill>
+          <a:blip r:embed="rId3">
+            <a:extLst/>
+          </a:blip>
+          <a:stretch>
+            <a:fillRect/>
+          </a:stretch>
+        </p:blipFill>
+        <p:spPr>
+          <a:xfrm>
+            <a:off x="2773621" y="4732924"/>
+            <a:ext cx="5951179" cy="927012"/>
+          </a:xfrm>
+          <a:prstGeom prst="rect">
+            <a:avLst/>
+          </a:prstGeom>
+          <a:ln w="12700">
+            <a:miter lim="400000"/>
+          </a:ln>
+        </p:spPr>
+      </p:pic>
     </p:spTree>
   </p:cSld>
   <p:clrMapOvr>
@@ -15046,8 +15060,8 @@
               </a:tblPr>
               <a:tblGrid>
                 <a:gridCol w="290544"/>
-                <a:gridCol w="1697394"/>
-                <a:gridCol w="626965"/>
+                <a:gridCol w="1509119"/>
+                <a:gridCol w="815240"/>
                 <a:gridCol w="626965"/>
                 <a:gridCol w="519922"/>
                 <a:gridCol w="443463"/>
@@ -19300,7 +19314,7 @@
         </p:nvSpPr>
         <p:spPr>
           <a:xfrm>
-            <a:off x="392531" y="1183193"/>
+            <a:off x="392531" y="1183192"/>
             <a:ext cx="6246575" cy="446406"/>
           </a:xfrm>
           <a:prstGeom prst="rect">
@@ -19451,10 +19465,6 @@
           </p:nvPr>
         </p:nvSpPr>
         <p:spPr>
-          <a:xfrm>
-            <a:off x="838200" y="365125"/>
-            <a:ext cx="10515600" cy="1325563"/>
-          </a:xfrm>
           <a:prstGeom prst="rect">
             <a:avLst/>
           </a:prstGeom>
@@ -19482,8 +19492,8 @@
         </p:nvSpPr>
         <p:spPr>
           <a:xfrm>
-            <a:off x="838199" y="2378268"/>
-            <a:ext cx="10515601" cy="4351339"/>
+            <a:off x="838200" y="2378268"/>
+            <a:ext cx="10515600" cy="4351339"/>
           </a:xfrm>
           <a:prstGeom prst="rect">
             <a:avLst/>
@@ -20790,10 +20800,6 @@
           </p:nvPr>
         </p:nvSpPr>
         <p:spPr>
-          <a:xfrm>
-            <a:off x="838200" y="365125"/>
-            <a:ext cx="10515600" cy="1325563"/>
-          </a:xfrm>
           <a:prstGeom prst="rect">
             <a:avLst/>
           </a:prstGeom>
@@ -20820,10 +20826,6 @@
           </p:nvPr>
         </p:nvSpPr>
         <p:spPr>
-          <a:xfrm>
-            <a:off x="838200" y="1825625"/>
-            <a:ext cx="10515600" cy="4351338"/>
-          </a:xfrm>
           <a:prstGeom prst="rect">
             <a:avLst/>
           </a:prstGeom>
@@ -21111,10 +21113,6 @@
           </p:nvPr>
         </p:nvSpPr>
         <p:spPr>
-          <a:xfrm>
-            <a:off x="838200" y="365125"/>
-            <a:ext cx="10515600" cy="1325563"/>
-          </a:xfrm>
           <a:prstGeom prst="rect">
             <a:avLst/>
           </a:prstGeom>
@@ -21201,10 +21199,6 @@
           </p:nvPr>
         </p:nvSpPr>
         <p:spPr>
-          <a:xfrm>
-            <a:off x="838200" y="365125"/>
-            <a:ext cx="10515600" cy="1325563"/>
-          </a:xfrm>
           <a:prstGeom prst="rect">
             <a:avLst/>
           </a:prstGeom>
@@ -21441,10 +21435,6 @@
           </p:nvPr>
         </p:nvSpPr>
         <p:spPr>
-          <a:xfrm>
-            <a:off x="838200" y="365125"/>
-            <a:ext cx="10515600" cy="1325563"/>
-          </a:xfrm>
           <a:prstGeom prst="rect">
             <a:avLst/>
           </a:prstGeom>
@@ -21471,10 +21461,6 @@
           </p:nvPr>
         </p:nvSpPr>
         <p:spPr>
-          <a:xfrm>
-            <a:off x="838200" y="1825625"/>
-            <a:ext cx="10515600" cy="4351338"/>
-          </a:xfrm>
           <a:prstGeom prst="rect">
             <a:avLst/>
           </a:prstGeom>
@@ -21671,10 +21657,6 @@
           </p:nvPr>
         </p:nvSpPr>
         <p:spPr>
-          <a:xfrm>
-            <a:off x="838200" y="365125"/>
-            <a:ext cx="10515600" cy="1325563"/>
-          </a:xfrm>
           <a:prstGeom prst="rect">
             <a:avLst/>
           </a:prstGeom>
